--- a/Лекция 1/Лекция 1. scitit-learn, XGBBoost.pptx
+++ b/Лекция 1/Лекция 1. scitit-learn, XGBBoost.pptx
@@ -230,7 +230,7 @@
           <a:p>
             <a:fld id="{15ADC36F-CB4B-5441-9075-DFDFF970B695}" type="datetimeFigureOut">
               <a:rPr lang="en-RU" smtClean="0"/>
-              <a:t>21.02.2020</a:t>
+              <a:t>20.02.2023</a:t>
             </a:fld>
             <a:endParaRPr lang="en-RU"/>
           </a:p>
@@ -731,7 +731,7 @@
           <a:p>
             <a:fld id="{B5A5B884-F134-974F-A875-CA42E525E290}" type="datetimeFigureOut">
               <a:rPr lang="en-RU" smtClean="0"/>
-              <a:t>21.02.2020</a:t>
+              <a:t>20.02.2023</a:t>
             </a:fld>
             <a:endParaRPr lang="en-RU"/>
           </a:p>
@@ -931,7 +931,7 @@
           <a:p>
             <a:fld id="{B5A5B884-F134-974F-A875-CA42E525E290}" type="datetimeFigureOut">
               <a:rPr lang="en-RU" smtClean="0"/>
-              <a:t>21.02.2020</a:t>
+              <a:t>20.02.2023</a:t>
             </a:fld>
             <a:endParaRPr lang="en-RU"/>
           </a:p>
@@ -1141,7 +1141,7 @@
           <a:p>
             <a:fld id="{B5A5B884-F134-974F-A875-CA42E525E290}" type="datetimeFigureOut">
               <a:rPr lang="en-RU" smtClean="0"/>
-              <a:t>21.02.2020</a:t>
+              <a:t>20.02.2023</a:t>
             </a:fld>
             <a:endParaRPr lang="en-RU"/>
           </a:p>
@@ -1341,7 +1341,7 @@
           <a:p>
             <a:fld id="{B5A5B884-F134-974F-A875-CA42E525E290}" type="datetimeFigureOut">
               <a:rPr lang="en-RU" smtClean="0"/>
-              <a:t>21.02.2020</a:t>
+              <a:t>20.02.2023</a:t>
             </a:fld>
             <a:endParaRPr lang="en-RU"/>
           </a:p>
@@ -1617,7 +1617,7 @@
           <a:p>
             <a:fld id="{B5A5B884-F134-974F-A875-CA42E525E290}" type="datetimeFigureOut">
               <a:rPr lang="en-RU" smtClean="0"/>
-              <a:t>21.02.2020</a:t>
+              <a:t>20.02.2023</a:t>
             </a:fld>
             <a:endParaRPr lang="en-RU"/>
           </a:p>
@@ -1885,7 +1885,7 @@
           <a:p>
             <a:fld id="{B5A5B884-F134-974F-A875-CA42E525E290}" type="datetimeFigureOut">
               <a:rPr lang="en-RU" smtClean="0"/>
-              <a:t>21.02.2020</a:t>
+              <a:t>20.02.2023</a:t>
             </a:fld>
             <a:endParaRPr lang="en-RU"/>
           </a:p>
@@ -2300,7 +2300,7 @@
           <a:p>
             <a:fld id="{B5A5B884-F134-974F-A875-CA42E525E290}" type="datetimeFigureOut">
               <a:rPr lang="en-RU" smtClean="0"/>
-              <a:t>21.02.2020</a:t>
+              <a:t>20.02.2023</a:t>
             </a:fld>
             <a:endParaRPr lang="en-RU"/>
           </a:p>
@@ -2442,7 +2442,7 @@
           <a:p>
             <a:fld id="{B5A5B884-F134-974F-A875-CA42E525E290}" type="datetimeFigureOut">
               <a:rPr lang="en-RU" smtClean="0"/>
-              <a:t>21.02.2020</a:t>
+              <a:t>20.02.2023</a:t>
             </a:fld>
             <a:endParaRPr lang="en-RU"/>
           </a:p>
@@ -2555,7 +2555,7 @@
           <a:p>
             <a:fld id="{B5A5B884-F134-974F-A875-CA42E525E290}" type="datetimeFigureOut">
               <a:rPr lang="en-RU" smtClean="0"/>
-              <a:t>21.02.2020</a:t>
+              <a:t>20.02.2023</a:t>
             </a:fld>
             <a:endParaRPr lang="en-RU"/>
           </a:p>
@@ -2868,7 +2868,7 @@
           <a:p>
             <a:fld id="{B5A5B884-F134-974F-A875-CA42E525E290}" type="datetimeFigureOut">
               <a:rPr lang="en-RU" smtClean="0"/>
-              <a:t>21.02.2020</a:t>
+              <a:t>20.02.2023</a:t>
             </a:fld>
             <a:endParaRPr lang="en-RU"/>
           </a:p>
@@ -3157,7 +3157,7 @@
           <a:p>
             <a:fld id="{B5A5B884-F134-974F-A875-CA42E525E290}" type="datetimeFigureOut">
               <a:rPr lang="en-RU" smtClean="0"/>
-              <a:t>21.02.2020</a:t>
+              <a:t>20.02.2023</a:t>
             </a:fld>
             <a:endParaRPr lang="en-RU"/>
           </a:p>
@@ -3400,7 +3400,7 @@
           <a:p>
             <a:fld id="{B5A5B884-F134-974F-A875-CA42E525E290}" type="datetimeFigureOut">
               <a:rPr lang="en-RU" smtClean="0"/>
-              <a:t>21.02.2020</a:t>
+              <a:t>20.02.2023</a:t>
             </a:fld>
             <a:endParaRPr lang="en-RU"/>
           </a:p>
@@ -4155,6 +4155,191 @@
           </a:prstGeom>
         </p:spPr>
       </p:pic>
+      <p:sp>
+        <p:nvSpPr>
+          <p:cNvPr id="3" name="TextBox 2">
+            <a:extLst>
+              <a:ext uri="{FF2B5EF4-FFF2-40B4-BE49-F238E27FC236}">
+                <a16:creationId xmlns:a16="http://schemas.microsoft.com/office/drawing/2014/main" id="{87E3480F-6793-D936-994A-AA3706AA64D7}"/>
+              </a:ext>
+            </a:extLst>
+          </p:cNvPr>
+          <p:cNvSpPr txBox="1"/>
+          <p:nvPr/>
+        </p:nvSpPr>
+        <p:spPr>
+          <a:xfrm>
+            <a:off x="7736326" y="1616058"/>
+            <a:ext cx="1116011" cy="369332"/>
+          </a:xfrm>
+          <a:prstGeom prst="rect">
+            <a:avLst/>
+          </a:prstGeom>
+          <a:noFill/>
+        </p:spPr>
+        <p:txBody>
+          <a:bodyPr wrap="none" rtlCol="0">
+            <a:spAutoFit/>
+          </a:bodyPr>
+          <a:lstStyle/>
+          <a:p>
+            <a:r>
+              <a:rPr lang="en-RU" dirty="0"/>
+              <a:t> - </a:t>
+            </a:r>
+            <a:r>
+              <a:rPr lang="ru-RU" dirty="0"/>
+              <a:t>данные</a:t>
+            </a:r>
+            <a:endParaRPr lang="en-RU" dirty="0"/>
+          </a:p>
+        </p:txBody>
+      </p:sp>
+      <p:sp>
+        <p:nvSpPr>
+          <p:cNvPr id="8" name="TextBox 7">
+            <a:extLst>
+              <a:ext uri="{FF2B5EF4-FFF2-40B4-BE49-F238E27FC236}">
+                <a16:creationId xmlns:a16="http://schemas.microsoft.com/office/drawing/2014/main" id="{5CA7AEE1-EFD6-6B4A-7C88-2186C44FB043}"/>
+              </a:ext>
+            </a:extLst>
+          </p:cNvPr>
+          <p:cNvSpPr txBox="1"/>
+          <p:nvPr/>
+        </p:nvSpPr>
+        <p:spPr>
+          <a:xfrm>
+            <a:off x="7693076" y="2083464"/>
+            <a:ext cx="4498924" cy="369332"/>
+          </a:xfrm>
+          <a:prstGeom prst="rect">
+            <a:avLst/>
+          </a:prstGeom>
+          <a:noFill/>
+        </p:spPr>
+        <p:txBody>
+          <a:bodyPr wrap="none" rtlCol="0">
+            <a:spAutoFit/>
+          </a:bodyPr>
+          <a:lstStyle/>
+          <a:p>
+            <a:r>
+              <a:rPr lang="en-RU" dirty="0"/>
+              <a:t> - </a:t>
+            </a:r>
+            <a:r>
+              <a:rPr lang="ru-RU" dirty="0"/>
+              <a:t>описание дерева, </a:t>
+            </a:r>
+            <a:r>
+              <a:rPr lang="en-US" dirty="0"/>
+              <a:t>T – </a:t>
+            </a:r>
+            <a:r>
+              <a:rPr lang="ru-RU" dirty="0"/>
+              <a:t>узлы, </a:t>
+            </a:r>
+            <a:r>
+              <a:rPr lang="en-US" dirty="0"/>
+              <a:t>w – </a:t>
+            </a:r>
+            <a:r>
+              <a:rPr lang="ru-RU" dirty="0"/>
+              <a:t>веса узлов</a:t>
+            </a:r>
+            <a:endParaRPr lang="en-RU" dirty="0"/>
+          </a:p>
+        </p:txBody>
+      </p:sp>
+      <p:sp>
+        <p:nvSpPr>
+          <p:cNvPr id="9" name="TextBox 8">
+            <a:extLst>
+              <a:ext uri="{FF2B5EF4-FFF2-40B4-BE49-F238E27FC236}">
+                <a16:creationId xmlns:a16="http://schemas.microsoft.com/office/drawing/2014/main" id="{29F75AF0-5E60-6D05-1073-F8615E5DFD1C}"/>
+              </a:ext>
+            </a:extLst>
+          </p:cNvPr>
+          <p:cNvSpPr txBox="1"/>
+          <p:nvPr/>
+        </p:nvSpPr>
+        <p:spPr>
+          <a:xfrm>
+            <a:off x="7693076" y="2783155"/>
+            <a:ext cx="3919406" cy="646331"/>
+          </a:xfrm>
+          <a:prstGeom prst="rect">
+            <a:avLst/>
+          </a:prstGeom>
+          <a:noFill/>
+        </p:spPr>
+        <p:txBody>
+          <a:bodyPr wrap="none" rtlCol="0">
+            <a:spAutoFit/>
+          </a:bodyPr>
+          <a:lstStyle/>
+          <a:p>
+            <a:r>
+              <a:rPr lang="en-RU" dirty="0"/>
+              <a:t> - </a:t>
+            </a:r>
+            <a:r>
+              <a:rPr lang="ru-RU" dirty="0"/>
+              <a:t>функция потерь, </a:t>
+            </a:r>
+            <a:r>
+              <a:rPr lang="en-US" dirty="0"/>
+              <a:t>l </a:t>
+            </a:r>
+            <a:r>
+              <a:rPr lang="ru-RU" dirty="0"/>
+              <a:t>штраф за ошибки,</a:t>
+            </a:r>
+            <a:endParaRPr lang="en-US" dirty="0"/>
+          </a:p>
+          <a:p>
+            <a:r>
+              <a:rPr lang="en-US" dirty="0"/>
+              <a:t>T </a:t>
+            </a:r>
+            <a:r>
+              <a:rPr lang="ru-RU" dirty="0"/>
+              <a:t>штраф за сложность</a:t>
+            </a:r>
+            <a:endParaRPr lang="en-RU" dirty="0"/>
+          </a:p>
+        </p:txBody>
+      </p:sp>
+      <p:pic>
+        <p:nvPicPr>
+          <p:cNvPr id="10" name="Picture 9">
+            <a:extLst>
+              <a:ext uri="{FF2B5EF4-FFF2-40B4-BE49-F238E27FC236}">
+                <a16:creationId xmlns:a16="http://schemas.microsoft.com/office/drawing/2014/main" id="{33788D3B-274E-0A15-9F5C-7C87CA073483}"/>
+              </a:ext>
+            </a:extLst>
+          </p:cNvPr>
+          <p:cNvPicPr>
+            <a:picLocks noChangeAspect="1"/>
+          </p:cNvPicPr>
+          <p:nvPr/>
+        </p:nvPicPr>
+        <p:blipFill>
+          <a:blip r:embed="rId6"/>
+          <a:stretch>
+            <a:fillRect/>
+          </a:stretch>
+        </p:blipFill>
+        <p:spPr>
+          <a:xfrm>
+            <a:off x="5572447" y="3855631"/>
+            <a:ext cx="5752899" cy="2637244"/>
+          </a:xfrm>
+          <a:prstGeom prst="rect">
+            <a:avLst/>
+          </a:prstGeom>
+        </p:spPr>
+      </p:pic>
     </p:spTree>
     <p:extLst>
       <p:ext uri="{BB962C8B-B14F-4D97-AF65-F5344CB8AC3E}">
@@ -4545,6 +4730,36 @@
           </a:prstGeom>
         </p:spPr>
       </p:pic>
+      <p:pic>
+        <p:nvPicPr>
+          <p:cNvPr id="3" name="Picture 2">
+            <a:extLst>
+              <a:ext uri="{FF2B5EF4-FFF2-40B4-BE49-F238E27FC236}">
+                <a16:creationId xmlns:a16="http://schemas.microsoft.com/office/drawing/2014/main" id="{80870093-D8FB-31CE-FB66-883EAFC84213}"/>
+              </a:ext>
+            </a:extLst>
+          </p:cNvPr>
+          <p:cNvPicPr>
+            <a:picLocks noChangeAspect="1"/>
+          </p:cNvPicPr>
+          <p:nvPr/>
+        </p:nvPicPr>
+        <p:blipFill>
+          <a:blip r:embed="rId6"/>
+          <a:stretch>
+            <a:fillRect/>
+          </a:stretch>
+        </p:blipFill>
+        <p:spPr>
+          <a:xfrm>
+            <a:off x="7931650" y="1718043"/>
+            <a:ext cx="4116298" cy="2894155"/>
+          </a:xfrm>
+          <a:prstGeom prst="rect">
+            <a:avLst/>
+          </a:prstGeom>
+        </p:spPr>
+      </p:pic>
     </p:spTree>
     <p:extLst>
       <p:ext uri="{BB962C8B-B14F-4D97-AF65-F5344CB8AC3E}">
@@ -8062,8 +8277,8 @@
           <a:chExt cx="0" cy="0"/>
         </a:xfrm>
       </p:grpSpPr>
-      <mc:AlternateContent xmlns:mc="http://schemas.openxmlformats.org/markup-compatibility/2006">
-        <mc:Choice xmlns:a14="http://schemas.microsoft.com/office/drawing/2010/main" Requires="a14">
+      <mc:AlternateContent xmlns:mc="http://schemas.openxmlformats.org/markup-compatibility/2006" xmlns:a14="http://schemas.microsoft.com/office/drawing/2010/main">
+        <mc:Choice Requires="a14">
           <p:sp>
             <p:nvSpPr>
               <p:cNvPr id="2" name="Title 1">
@@ -8109,7 +8324,7 @@
             </p:txBody>
           </p:sp>
         </mc:Choice>
-        <mc:Fallback>
+        <mc:Fallback xmlns="">
           <p:sp>
             <p:nvSpPr>
               <p:cNvPr id="2" name="Title 1">
